--- a/09ModernDataAccess.pptx
+++ b/09ModernDataAccess.pptx
@@ -10691,7 +10691,7 @@
         <p:spPr>
           <a:xfrm>
             <a:off x="552451" y="5182882"/>
-            <a:ext cx="10801349" cy="1754326"/>
+            <a:ext cx="10801349" cy="1477328"/>
           </a:xfrm>
           <a:prstGeom prst="rect">
             <a:avLst/>
@@ -10839,13 +10839,13 @@
               <a:t> </a:t>
             </a:r>
             <a:r>
-              <a:rPr lang="de-DE" dirty="0" err="1">
+              <a:rPr lang="de-DE" dirty="0" err="1" smtClean="0">
                 <a:solidFill>
                   <a:srgbClr val="FF0000"/>
                 </a:solidFill>
                 <a:latin typeface="Consolas" panose="020B0609020204030204" pitchFamily="49" charset="0"/>
               </a:rPr>
-              <a:t>EnableViewState</a:t>
+              <a:t>ItemType</a:t>
             </a:r>
             <a:r>
               <a:rPr lang="de-DE" dirty="0">
@@ -10854,78 +10854,7 @@
                 </a:solidFill>
                 <a:latin typeface="Consolas" panose="020B0609020204030204" pitchFamily="49" charset="0"/>
               </a:rPr>
-              <a:t>="</a:t>
-            </a:r>
-            <a:r>
-              <a:rPr lang="de-DE" dirty="0" err="1">
-                <a:solidFill>
-                  <a:srgbClr val="0000FF"/>
-                </a:solidFill>
-                <a:latin typeface="Consolas" panose="020B0609020204030204" pitchFamily="49" charset="0"/>
-              </a:rPr>
-              <a:t>false</a:t>
-            </a:r>
-            <a:r>
-              <a:rPr lang="de-DE" dirty="0">
-                <a:solidFill>
-                  <a:srgbClr val="0000FF"/>
-                </a:solidFill>
-                <a:latin typeface="Consolas" panose="020B0609020204030204" pitchFamily="49" charset="0"/>
-              </a:rPr>
-              <a:t>"</a:t>
-            </a:r>
-            <a:endParaRPr lang="de-DE" dirty="0">
-              <a:solidFill>
-                <a:srgbClr val="000000"/>
-              </a:solidFill>
-              <a:latin typeface="Consolas" panose="020B0609020204030204" pitchFamily="49" charset="0"/>
-            </a:endParaRPr>
-          </a:p>
-          <a:p>
-            <a:r>
-              <a:rPr lang="de-DE" dirty="0">
-                <a:solidFill>
-                  <a:srgbClr val="000000"/>
-                </a:solidFill>
-                <a:latin typeface="Consolas" panose="020B0609020204030204" pitchFamily="49" charset="0"/>
-              </a:rPr>
-              <a:t>                   </a:t>
-            </a:r>
-            <a:r>
-              <a:rPr lang="de-DE" dirty="0" err="1">
-                <a:solidFill>
-                  <a:srgbClr val="FF0000"/>
-                </a:solidFill>
-                <a:latin typeface="Consolas" panose="020B0609020204030204" pitchFamily="49" charset="0"/>
-              </a:rPr>
-              <a:t>ItemType</a:t>
-            </a:r>
-            <a:r>
-              <a:rPr lang="de-DE" dirty="0">
-                <a:solidFill>
-                  <a:srgbClr val="0000FF"/>
-                </a:solidFill>
-                <a:latin typeface="Consolas" panose="020B0609020204030204" pitchFamily="49" charset="0"/>
-              </a:rPr>
-              <a:t>="</a:t>
-            </a:r>
-            <a:r>
-              <a:rPr lang="de-DE" dirty="0" err="1">
-                <a:solidFill>
-                  <a:srgbClr val="0000FF"/>
-                </a:solidFill>
-                <a:latin typeface="Consolas" panose="020B0609020204030204" pitchFamily="49" charset="0"/>
-              </a:rPr>
-              <a:t>todo</a:t>
-            </a:r>
-            <a:r>
-              <a:rPr lang="de-DE" dirty="0">
-                <a:solidFill>
-                  <a:srgbClr val="0000FF"/>
-                </a:solidFill>
-                <a:latin typeface="Consolas" panose="020B0609020204030204" pitchFamily="49" charset="0"/>
-              </a:rPr>
-              <a:t>"</a:t>
+              <a:t>="todo"</a:t>
             </a:r>
             <a:endParaRPr lang="de-DE" dirty="0">
               <a:solidFill>
@@ -11397,12 +11326,12 @@
           <a:lstStyle/>
           <a:p>
             <a:r>
-              <a:rPr lang="de-DE" dirty="0" err="1" smtClean="0"/>
-              <a:t>Kindbutton</a:t>
-            </a:r>
-            <a:r>
               <a:rPr lang="de-DE" dirty="0" smtClean="0"/>
-              <a:t> Events werden nicht behandelt</a:t>
+              <a:t>Button </a:t>
+            </a:r>
+            <a:r>
+              <a:rPr lang="de-DE" dirty="0" smtClean="0"/>
+              <a:t>Events werden nicht behandelt</a:t>
             </a:r>
           </a:p>
           <a:p>
